--- a/Later/Spring/9_AOP/5/AOP_AfterReturningAdvice Example.pptx
+++ b/Later/Spring/9_AOP/5/AOP_AfterReturningAdvice Example.pptx
@@ -194,7 +194,7 @@
           <a:p>
             <a:fld id="{62274EC6-3890-417B-9308-14EFBD00FA63}" type="datetimeFigureOut">
               <a:rPr lang="en-US" smtClean="0"/>
-              <a:t>5/15/2018</a:t>
+              <a:t>5/16/2018</a:t>
             </a:fld>
             <a:endParaRPr lang="en-US" dirty="0"/>
           </a:p>
@@ -911,7 +911,7 @@
             <a:fld id="{1D8BD707-D9CF-40AE-B4C6-C98DA3205C09}" type="datetimeFigureOut">
               <a:rPr lang="en-US" smtClean="0"/>
               <a:pPr/>
-              <a:t>5/15/2018</a:t>
+              <a:t>5/16/2018</a:t>
             </a:fld>
             <a:endParaRPr lang="en-US" dirty="0"/>
           </a:p>
@@ -1083,7 +1083,7 @@
             <a:fld id="{1D8BD707-D9CF-40AE-B4C6-C98DA3205C09}" type="datetimeFigureOut">
               <a:rPr lang="en-US" smtClean="0"/>
               <a:pPr/>
-              <a:t>5/15/2018</a:t>
+              <a:t>5/16/2018</a:t>
             </a:fld>
             <a:endParaRPr lang="en-US" dirty="0"/>
           </a:p>
@@ -1265,7 +1265,7 @@
             <a:fld id="{1D8BD707-D9CF-40AE-B4C6-C98DA3205C09}" type="datetimeFigureOut">
               <a:rPr lang="en-US" smtClean="0"/>
               <a:pPr/>
-              <a:t>5/15/2018</a:t>
+              <a:t>5/16/2018</a:t>
             </a:fld>
             <a:endParaRPr lang="en-US" dirty="0"/>
           </a:p>
@@ -1437,7 +1437,7 @@
             <a:fld id="{1D8BD707-D9CF-40AE-B4C6-C98DA3205C09}" type="datetimeFigureOut">
               <a:rPr lang="en-US" smtClean="0"/>
               <a:pPr/>
-              <a:t>5/15/2018</a:t>
+              <a:t>5/16/2018</a:t>
             </a:fld>
             <a:endParaRPr lang="en-US" dirty="0"/>
           </a:p>
@@ -1685,7 +1685,7 @@
             <a:fld id="{1D8BD707-D9CF-40AE-B4C6-C98DA3205C09}" type="datetimeFigureOut">
               <a:rPr lang="en-US" smtClean="0"/>
               <a:pPr/>
-              <a:t>5/15/2018</a:t>
+              <a:t>5/16/2018</a:t>
             </a:fld>
             <a:endParaRPr lang="en-US" dirty="0"/>
           </a:p>
@@ -1975,7 +1975,7 @@
             <a:fld id="{1D8BD707-D9CF-40AE-B4C6-C98DA3205C09}" type="datetimeFigureOut">
               <a:rPr lang="en-US" smtClean="0"/>
               <a:pPr/>
-              <a:t>5/15/2018</a:t>
+              <a:t>5/16/2018</a:t>
             </a:fld>
             <a:endParaRPr lang="en-US" dirty="0"/>
           </a:p>
@@ -2404,7 +2404,7 @@
             <a:fld id="{1D8BD707-D9CF-40AE-B4C6-C98DA3205C09}" type="datetimeFigureOut">
               <a:rPr lang="en-US" smtClean="0"/>
               <a:pPr/>
-              <a:t>5/15/2018</a:t>
+              <a:t>5/16/2018</a:t>
             </a:fld>
             <a:endParaRPr lang="en-US" dirty="0"/>
           </a:p>
@@ -2524,7 +2524,7 @@
             <a:fld id="{1D8BD707-D9CF-40AE-B4C6-C98DA3205C09}" type="datetimeFigureOut">
               <a:rPr lang="en-US" smtClean="0"/>
               <a:pPr/>
-              <a:t>5/15/2018</a:t>
+              <a:t>5/16/2018</a:t>
             </a:fld>
             <a:endParaRPr lang="en-US" dirty="0"/>
           </a:p>
@@ -2621,7 +2621,7 @@
             <a:fld id="{1D8BD707-D9CF-40AE-B4C6-C98DA3205C09}" type="datetimeFigureOut">
               <a:rPr lang="en-US" smtClean="0"/>
               <a:pPr/>
-              <a:t>5/15/2018</a:t>
+              <a:t>5/16/2018</a:t>
             </a:fld>
             <a:endParaRPr lang="en-US" dirty="0"/>
           </a:p>
@@ -2900,7 +2900,7 @@
             <a:fld id="{1D8BD707-D9CF-40AE-B4C6-C98DA3205C09}" type="datetimeFigureOut">
               <a:rPr lang="en-US" smtClean="0"/>
               <a:pPr/>
-              <a:t>5/15/2018</a:t>
+              <a:t>5/16/2018</a:t>
             </a:fld>
             <a:endParaRPr lang="en-US" dirty="0"/>
           </a:p>
@@ -3155,7 +3155,7 @@
             <a:fld id="{1D8BD707-D9CF-40AE-B4C6-C98DA3205C09}" type="datetimeFigureOut">
               <a:rPr lang="en-US" smtClean="0"/>
               <a:pPr/>
-              <a:t>5/15/2018</a:t>
+              <a:t>5/16/2018</a:t>
             </a:fld>
             <a:endParaRPr lang="en-US" dirty="0"/>
           </a:p>
@@ -3370,7 +3370,7 @@
             <a:fld id="{1D8BD707-D9CF-40AE-B4C6-C98DA3205C09}" type="datetimeFigureOut">
               <a:rPr lang="en-US" smtClean="0"/>
               <a:pPr/>
-              <a:t>5/15/2018</a:t>
+              <a:t>5/16/2018</a:t>
             </a:fld>
             <a:endParaRPr lang="en-US" dirty="0"/>
           </a:p>
@@ -4085,10 +4085,7 @@
           </a:lstStyle>
           <a:p>
             <a:pPr algn="ctr"/>
-            <a:r>
-              <a:rPr lang="en-US" sz="1200" dirty="0"/>
-              <a:t>BeforeAdvice Example</a:t>
-            </a:r>
+            <a:endParaRPr lang="en-US" sz="1200" dirty="0"/>
           </a:p>
         </p:txBody>
       </p:sp>
@@ -4558,143 +4555,6 @@
           <a:lstStyle/>
           <a:p>
             <a:endParaRPr lang="en-US" dirty="0"/>
-          </a:p>
-        </p:txBody>
-      </p:sp>
-      <p:sp>
-        <p:nvSpPr>
-          <p:cNvPr id="10" name="Rectangle 9"/>
-          <p:cNvSpPr/>
-          <p:nvPr/>
-        </p:nvSpPr>
-        <p:spPr>
-          <a:xfrm>
-            <a:off x="3905250" y="35739"/>
-            <a:ext cx="1733550" cy="276999"/>
-          </a:xfrm>
-          <a:prstGeom prst="rect">
-            <a:avLst/>
-          </a:prstGeom>
-        </p:spPr>
-        <p:style>
-          <a:lnRef idx="1">
-            <a:schemeClr val="accent4"/>
-          </a:lnRef>
-          <a:fillRef idx="3">
-            <a:schemeClr val="accent4"/>
-          </a:fillRef>
-          <a:effectRef idx="2">
-            <a:schemeClr val="accent4"/>
-          </a:effectRef>
-          <a:fontRef idx="minor">
-            <a:schemeClr val="lt1"/>
-          </a:fontRef>
-        </p:style>
-        <p:txBody>
-          <a:bodyPr wrap="square">
-            <a:spAutoFit/>
-          </a:bodyPr>
-          <a:lstStyle>
-            <a:defPPr>
-              <a:defRPr lang="en-US"/>
-            </a:defPPr>
-            <a:lvl1pPr marL="0" algn="l" defTabSz="914400" rtl="0" eaLnBrk="1" latinLnBrk="0" hangingPunct="1">
-              <a:defRPr sz="1800" kern="1200">
-                <a:solidFill>
-                  <a:schemeClr val="lt1"/>
-                </a:solidFill>
-                <a:latin typeface="+mn-lt"/>
-                <a:ea typeface="+mn-ea"/>
-                <a:cs typeface="+mn-cs"/>
-              </a:defRPr>
-            </a:lvl1pPr>
-            <a:lvl2pPr marL="457200" algn="l" defTabSz="914400" rtl="0" eaLnBrk="1" latinLnBrk="0" hangingPunct="1">
-              <a:defRPr sz="1800" kern="1200">
-                <a:solidFill>
-                  <a:schemeClr val="lt1"/>
-                </a:solidFill>
-                <a:latin typeface="+mn-lt"/>
-                <a:ea typeface="+mn-ea"/>
-                <a:cs typeface="+mn-cs"/>
-              </a:defRPr>
-            </a:lvl2pPr>
-            <a:lvl3pPr marL="914400" algn="l" defTabSz="914400" rtl="0" eaLnBrk="1" latinLnBrk="0" hangingPunct="1">
-              <a:defRPr sz="1800" kern="1200">
-                <a:solidFill>
-                  <a:schemeClr val="lt1"/>
-                </a:solidFill>
-                <a:latin typeface="+mn-lt"/>
-                <a:ea typeface="+mn-ea"/>
-                <a:cs typeface="+mn-cs"/>
-              </a:defRPr>
-            </a:lvl3pPr>
-            <a:lvl4pPr marL="1371600" algn="l" defTabSz="914400" rtl="0" eaLnBrk="1" latinLnBrk="0" hangingPunct="1">
-              <a:defRPr sz="1800" kern="1200">
-                <a:solidFill>
-                  <a:schemeClr val="lt1"/>
-                </a:solidFill>
-                <a:latin typeface="+mn-lt"/>
-                <a:ea typeface="+mn-ea"/>
-                <a:cs typeface="+mn-cs"/>
-              </a:defRPr>
-            </a:lvl4pPr>
-            <a:lvl5pPr marL="1828800" algn="l" defTabSz="914400" rtl="0" eaLnBrk="1" latinLnBrk="0" hangingPunct="1">
-              <a:defRPr sz="1800" kern="1200">
-                <a:solidFill>
-                  <a:schemeClr val="lt1"/>
-                </a:solidFill>
-                <a:latin typeface="+mn-lt"/>
-                <a:ea typeface="+mn-ea"/>
-                <a:cs typeface="+mn-cs"/>
-              </a:defRPr>
-            </a:lvl5pPr>
-            <a:lvl6pPr marL="2286000" algn="l" defTabSz="914400" rtl="0" eaLnBrk="1" latinLnBrk="0" hangingPunct="1">
-              <a:defRPr sz="1800" kern="1200">
-                <a:solidFill>
-                  <a:schemeClr val="lt1"/>
-                </a:solidFill>
-                <a:latin typeface="+mn-lt"/>
-                <a:ea typeface="+mn-ea"/>
-                <a:cs typeface="+mn-cs"/>
-              </a:defRPr>
-            </a:lvl6pPr>
-            <a:lvl7pPr marL="2743200" algn="l" defTabSz="914400" rtl="0" eaLnBrk="1" latinLnBrk="0" hangingPunct="1">
-              <a:defRPr sz="1800" kern="1200">
-                <a:solidFill>
-                  <a:schemeClr val="lt1"/>
-                </a:solidFill>
-                <a:latin typeface="+mn-lt"/>
-                <a:ea typeface="+mn-ea"/>
-                <a:cs typeface="+mn-cs"/>
-              </a:defRPr>
-            </a:lvl7pPr>
-            <a:lvl8pPr marL="3200400" algn="l" defTabSz="914400" rtl="0" eaLnBrk="1" latinLnBrk="0" hangingPunct="1">
-              <a:defRPr sz="1800" kern="1200">
-                <a:solidFill>
-                  <a:schemeClr val="lt1"/>
-                </a:solidFill>
-                <a:latin typeface="+mn-lt"/>
-                <a:ea typeface="+mn-ea"/>
-                <a:cs typeface="+mn-cs"/>
-              </a:defRPr>
-            </a:lvl8pPr>
-            <a:lvl9pPr marL="3657600" algn="l" defTabSz="914400" rtl="0" eaLnBrk="1" latinLnBrk="0" hangingPunct="1">
-              <a:defRPr sz="1800" kern="1200">
-                <a:solidFill>
-                  <a:schemeClr val="lt1"/>
-                </a:solidFill>
-                <a:latin typeface="+mn-lt"/>
-                <a:ea typeface="+mn-ea"/>
-                <a:cs typeface="+mn-cs"/>
-              </a:defRPr>
-            </a:lvl9pPr>
-          </a:lstStyle>
-          <a:p>
-            <a:pPr algn="ctr"/>
-            <a:r>
-              <a:rPr lang="en-US" sz="1200" dirty="0"/>
-              <a:t>BeforeAdvice Example</a:t>
-            </a:r>
           </a:p>
         </p:txBody>
       </p:sp>
@@ -5073,143 +4933,6 @@
           <a:lstStyle/>
           <a:p>
             <a:endParaRPr lang="en-US" dirty="0"/>
-          </a:p>
-        </p:txBody>
-      </p:sp>
-      <p:sp>
-        <p:nvSpPr>
-          <p:cNvPr id="10" name="Rectangle 9"/>
-          <p:cNvSpPr/>
-          <p:nvPr/>
-        </p:nvSpPr>
-        <p:spPr>
-          <a:xfrm>
-            <a:off x="3905250" y="35739"/>
-            <a:ext cx="1733550" cy="276999"/>
-          </a:xfrm>
-          <a:prstGeom prst="rect">
-            <a:avLst/>
-          </a:prstGeom>
-        </p:spPr>
-        <p:style>
-          <a:lnRef idx="1">
-            <a:schemeClr val="accent4"/>
-          </a:lnRef>
-          <a:fillRef idx="3">
-            <a:schemeClr val="accent4"/>
-          </a:fillRef>
-          <a:effectRef idx="2">
-            <a:schemeClr val="accent4"/>
-          </a:effectRef>
-          <a:fontRef idx="minor">
-            <a:schemeClr val="lt1"/>
-          </a:fontRef>
-        </p:style>
-        <p:txBody>
-          <a:bodyPr wrap="square">
-            <a:spAutoFit/>
-          </a:bodyPr>
-          <a:lstStyle>
-            <a:defPPr>
-              <a:defRPr lang="en-US"/>
-            </a:defPPr>
-            <a:lvl1pPr marL="0" algn="l" defTabSz="914400" rtl="0" eaLnBrk="1" latinLnBrk="0" hangingPunct="1">
-              <a:defRPr sz="1800" kern="1200">
-                <a:solidFill>
-                  <a:schemeClr val="lt1"/>
-                </a:solidFill>
-                <a:latin typeface="+mn-lt"/>
-                <a:ea typeface="+mn-ea"/>
-                <a:cs typeface="+mn-cs"/>
-              </a:defRPr>
-            </a:lvl1pPr>
-            <a:lvl2pPr marL="457200" algn="l" defTabSz="914400" rtl="0" eaLnBrk="1" latinLnBrk="0" hangingPunct="1">
-              <a:defRPr sz="1800" kern="1200">
-                <a:solidFill>
-                  <a:schemeClr val="lt1"/>
-                </a:solidFill>
-                <a:latin typeface="+mn-lt"/>
-                <a:ea typeface="+mn-ea"/>
-                <a:cs typeface="+mn-cs"/>
-              </a:defRPr>
-            </a:lvl2pPr>
-            <a:lvl3pPr marL="914400" algn="l" defTabSz="914400" rtl="0" eaLnBrk="1" latinLnBrk="0" hangingPunct="1">
-              <a:defRPr sz="1800" kern="1200">
-                <a:solidFill>
-                  <a:schemeClr val="lt1"/>
-                </a:solidFill>
-                <a:latin typeface="+mn-lt"/>
-                <a:ea typeface="+mn-ea"/>
-                <a:cs typeface="+mn-cs"/>
-              </a:defRPr>
-            </a:lvl3pPr>
-            <a:lvl4pPr marL="1371600" algn="l" defTabSz="914400" rtl="0" eaLnBrk="1" latinLnBrk="0" hangingPunct="1">
-              <a:defRPr sz="1800" kern="1200">
-                <a:solidFill>
-                  <a:schemeClr val="lt1"/>
-                </a:solidFill>
-                <a:latin typeface="+mn-lt"/>
-                <a:ea typeface="+mn-ea"/>
-                <a:cs typeface="+mn-cs"/>
-              </a:defRPr>
-            </a:lvl4pPr>
-            <a:lvl5pPr marL="1828800" algn="l" defTabSz="914400" rtl="0" eaLnBrk="1" latinLnBrk="0" hangingPunct="1">
-              <a:defRPr sz="1800" kern="1200">
-                <a:solidFill>
-                  <a:schemeClr val="lt1"/>
-                </a:solidFill>
-                <a:latin typeface="+mn-lt"/>
-                <a:ea typeface="+mn-ea"/>
-                <a:cs typeface="+mn-cs"/>
-              </a:defRPr>
-            </a:lvl5pPr>
-            <a:lvl6pPr marL="2286000" algn="l" defTabSz="914400" rtl="0" eaLnBrk="1" latinLnBrk="0" hangingPunct="1">
-              <a:defRPr sz="1800" kern="1200">
-                <a:solidFill>
-                  <a:schemeClr val="lt1"/>
-                </a:solidFill>
-                <a:latin typeface="+mn-lt"/>
-                <a:ea typeface="+mn-ea"/>
-                <a:cs typeface="+mn-cs"/>
-              </a:defRPr>
-            </a:lvl6pPr>
-            <a:lvl7pPr marL="2743200" algn="l" defTabSz="914400" rtl="0" eaLnBrk="1" latinLnBrk="0" hangingPunct="1">
-              <a:defRPr sz="1800" kern="1200">
-                <a:solidFill>
-                  <a:schemeClr val="lt1"/>
-                </a:solidFill>
-                <a:latin typeface="+mn-lt"/>
-                <a:ea typeface="+mn-ea"/>
-                <a:cs typeface="+mn-cs"/>
-              </a:defRPr>
-            </a:lvl7pPr>
-            <a:lvl8pPr marL="3200400" algn="l" defTabSz="914400" rtl="0" eaLnBrk="1" latinLnBrk="0" hangingPunct="1">
-              <a:defRPr sz="1800" kern="1200">
-                <a:solidFill>
-                  <a:schemeClr val="lt1"/>
-                </a:solidFill>
-                <a:latin typeface="+mn-lt"/>
-                <a:ea typeface="+mn-ea"/>
-                <a:cs typeface="+mn-cs"/>
-              </a:defRPr>
-            </a:lvl8pPr>
-            <a:lvl9pPr marL="3657600" algn="l" defTabSz="914400" rtl="0" eaLnBrk="1" latinLnBrk="0" hangingPunct="1">
-              <a:defRPr sz="1800" kern="1200">
-                <a:solidFill>
-                  <a:schemeClr val="lt1"/>
-                </a:solidFill>
-                <a:latin typeface="+mn-lt"/>
-                <a:ea typeface="+mn-ea"/>
-                <a:cs typeface="+mn-cs"/>
-              </a:defRPr>
-            </a:lvl9pPr>
-          </a:lstStyle>
-          <a:p>
-            <a:pPr algn="ctr"/>
-            <a:r>
-              <a:rPr lang="en-US" sz="1200" dirty="0"/>
-              <a:t>BeforeAdvice Example</a:t>
-            </a:r>
           </a:p>
         </p:txBody>
       </p:sp>
